--- a/doc/SpringHadoopAdmin-ScalabilitySolution_V0.3.pptx
+++ b/doc/SpringHadoopAdmin-ScalabilitySolution_V0.3.pptx
@@ -405,7 +405,7 @@
     </p:spTree>
     <p:extLst>
       <p:ext uri="{BB962C8B-B14F-4D97-AF65-F5344CB8AC3E}">
-        <p14:creationId xmlns="" xmlns:p14="http://schemas.microsoft.com/office/powerpoint/2010/main" val="781666968"/>
+        <p14:creationId xmlns:p14="http://schemas.microsoft.com/office/powerpoint/2010/main" xmlns="" val="781666968"/>
       </p:ext>
     </p:extLst>
   </p:cSld>
@@ -740,7 +740,7 @@
     </p:spTree>
     <p:extLst>
       <p:ext uri="{BB962C8B-B14F-4D97-AF65-F5344CB8AC3E}">
-        <p14:creationId xmlns="" xmlns:p14="http://schemas.microsoft.com/office/powerpoint/2010/main" val="1584545126"/>
+        <p14:creationId xmlns:p14="http://schemas.microsoft.com/office/powerpoint/2010/main" xmlns="" val="1584545126"/>
       </p:ext>
     </p:extLst>
   </p:cSld>
@@ -950,7 +950,7 @@
     </p:spTree>
     <p:extLst>
       <p:ext uri="{BB962C8B-B14F-4D97-AF65-F5344CB8AC3E}">
-        <p14:creationId xmlns="" xmlns:p14="http://schemas.microsoft.com/office/powerpoint/2010/main" val="3610910710"/>
+        <p14:creationId xmlns:p14="http://schemas.microsoft.com/office/powerpoint/2010/main" xmlns="" val="3610910710"/>
       </p:ext>
     </p:extLst>
   </p:cSld>
@@ -3583,7 +3583,7 @@
     </p:spTree>
     <p:extLst>
       <p:ext uri="{BB962C8B-B14F-4D97-AF65-F5344CB8AC3E}">
-        <p14:creationId xmlns="" xmlns:p14="http://schemas.microsoft.com/office/powerpoint/2010/main" val="3328424935"/>
+        <p14:creationId xmlns:p14="http://schemas.microsoft.com/office/powerpoint/2010/main" xmlns="" val="3328424935"/>
       </p:ext>
     </p:extLst>
   </p:cSld>
@@ -3789,7 +3789,7 @@
     </p:spTree>
     <p:extLst>
       <p:ext uri="{BB962C8B-B14F-4D97-AF65-F5344CB8AC3E}">
-        <p14:creationId xmlns="" xmlns:p14="http://schemas.microsoft.com/office/powerpoint/2010/main" val="3914551010"/>
+        <p14:creationId xmlns:p14="http://schemas.microsoft.com/office/powerpoint/2010/main" xmlns="" val="3914551010"/>
       </p:ext>
     </p:extLst>
   </p:cSld>
@@ -3977,7 +3977,7 @@
     </p:spTree>
     <p:extLst>
       <p:ext uri="{BB962C8B-B14F-4D97-AF65-F5344CB8AC3E}">
-        <p14:creationId xmlns="" xmlns:p14="http://schemas.microsoft.com/office/powerpoint/2010/main" val="94201754"/>
+        <p14:creationId xmlns:p14="http://schemas.microsoft.com/office/powerpoint/2010/main" xmlns="" val="94201754"/>
       </p:ext>
     </p:extLst>
   </p:cSld>
@@ -4274,7 +4274,7 @@
     </p:spTree>
     <p:extLst>
       <p:ext uri="{BB962C8B-B14F-4D97-AF65-F5344CB8AC3E}">
-        <p14:creationId xmlns="" xmlns:p14="http://schemas.microsoft.com/office/powerpoint/2010/main" val="2655575152"/>
+        <p14:creationId xmlns:p14="http://schemas.microsoft.com/office/powerpoint/2010/main" xmlns="" val="2655575152"/>
       </p:ext>
     </p:extLst>
   </p:cSld>
@@ -4546,7 +4546,7 @@
     </p:spTree>
     <p:extLst>
       <p:ext uri="{BB962C8B-B14F-4D97-AF65-F5344CB8AC3E}">
-        <p14:creationId xmlns="" xmlns:p14="http://schemas.microsoft.com/office/powerpoint/2010/main" val="3624224875"/>
+        <p14:creationId xmlns:p14="http://schemas.microsoft.com/office/powerpoint/2010/main" xmlns="" val="3624224875"/>
       </p:ext>
     </p:extLst>
   </p:cSld>
@@ -4906,7 +4906,7 @@
     </p:spTree>
     <p:extLst>
       <p:ext uri="{BB962C8B-B14F-4D97-AF65-F5344CB8AC3E}">
-        <p14:creationId xmlns="" xmlns:p14="http://schemas.microsoft.com/office/powerpoint/2010/main" val="828230333"/>
+        <p14:creationId xmlns:p14="http://schemas.microsoft.com/office/powerpoint/2010/main" xmlns="" val="828230333"/>
       </p:ext>
     </p:extLst>
   </p:cSld>
@@ -5116,7 +5116,7 @@
     </p:spTree>
     <p:extLst>
       <p:ext uri="{BB962C8B-B14F-4D97-AF65-F5344CB8AC3E}">
-        <p14:creationId xmlns="" xmlns:p14="http://schemas.microsoft.com/office/powerpoint/2010/main" val="356852586"/>
+        <p14:creationId xmlns:p14="http://schemas.microsoft.com/office/powerpoint/2010/main" xmlns="" val="356852586"/>
       </p:ext>
     </p:extLst>
   </p:cSld>
@@ -5293,7 +5293,7 @@
     </p:spTree>
     <p:extLst>
       <p:ext uri="{BB962C8B-B14F-4D97-AF65-F5344CB8AC3E}">
-        <p14:creationId xmlns="" xmlns:p14="http://schemas.microsoft.com/office/powerpoint/2010/main" val="2788281828"/>
+        <p14:creationId xmlns:p14="http://schemas.microsoft.com/office/powerpoint/2010/main" xmlns="" val="2788281828"/>
       </p:ext>
     </p:extLst>
   </p:cSld>
@@ -5467,7 +5467,7 @@
     </p:spTree>
     <p:extLst>
       <p:ext uri="{BB962C8B-B14F-4D97-AF65-F5344CB8AC3E}">
-        <p14:creationId xmlns="" xmlns:p14="http://schemas.microsoft.com/office/powerpoint/2010/main" val="794965848"/>
+        <p14:creationId xmlns:p14="http://schemas.microsoft.com/office/powerpoint/2010/main" xmlns="" val="794965848"/>
       </p:ext>
     </p:extLst>
   </p:cSld>
@@ -5671,7 +5671,7 @@
     </p:spTree>
     <p:extLst>
       <p:ext uri="{BB962C8B-B14F-4D97-AF65-F5344CB8AC3E}">
-        <p14:creationId xmlns="" xmlns:p14="http://schemas.microsoft.com/office/powerpoint/2010/main" val="2931370025"/>
+        <p14:creationId xmlns:p14="http://schemas.microsoft.com/office/powerpoint/2010/main" xmlns="" val="2931370025"/>
       </p:ext>
     </p:extLst>
   </p:cSld>
@@ -5852,7 +5852,7 @@
     </p:spTree>
     <p:extLst>
       <p:ext uri="{BB962C8B-B14F-4D97-AF65-F5344CB8AC3E}">
-        <p14:creationId xmlns="" xmlns:p14="http://schemas.microsoft.com/office/powerpoint/2010/main" val="2732892919"/>
+        <p14:creationId xmlns:p14="http://schemas.microsoft.com/office/powerpoint/2010/main" xmlns="" val="2732892919"/>
       </p:ext>
     </p:extLst>
   </p:cSld>
@@ -6119,7 +6119,7 @@
     </p:spTree>
     <p:extLst>
       <p:ext uri="{BB962C8B-B14F-4D97-AF65-F5344CB8AC3E}">
-        <p14:creationId xmlns="" xmlns:p14="http://schemas.microsoft.com/office/powerpoint/2010/main" val="2924782792"/>
+        <p14:creationId xmlns:p14="http://schemas.microsoft.com/office/powerpoint/2010/main" xmlns="" val="2924782792"/>
       </p:ext>
     </p:extLst>
   </p:cSld>
@@ -6335,7 +6335,7 @@
     </p:spTree>
     <p:extLst>
       <p:ext uri="{BB962C8B-B14F-4D97-AF65-F5344CB8AC3E}">
-        <p14:creationId xmlns="" xmlns:p14="http://schemas.microsoft.com/office/powerpoint/2010/main" val="1150816706"/>
+        <p14:creationId xmlns:p14="http://schemas.microsoft.com/office/powerpoint/2010/main" xmlns="" val="1150816706"/>
       </p:ext>
     </p:extLst>
   </p:cSld>
@@ -6485,7 +6485,7 @@
     </p:spTree>
     <p:extLst>
       <p:ext uri="{BB962C8B-B14F-4D97-AF65-F5344CB8AC3E}">
-        <p14:creationId xmlns="" xmlns:p14="http://schemas.microsoft.com/office/powerpoint/2010/main" val="2408122661"/>
+        <p14:creationId xmlns:p14="http://schemas.microsoft.com/office/powerpoint/2010/main" xmlns="" val="2408122661"/>
       </p:ext>
     </p:extLst>
   </p:cSld>
@@ -6572,7 +6572,7 @@
     </p:spTree>
     <p:extLst>
       <p:ext uri="{BB962C8B-B14F-4D97-AF65-F5344CB8AC3E}">
-        <p14:creationId xmlns="" xmlns:p14="http://schemas.microsoft.com/office/powerpoint/2010/main" val="1521796805"/>
+        <p14:creationId xmlns:p14="http://schemas.microsoft.com/office/powerpoint/2010/main" xmlns="" val="1521796805"/>
       </p:ext>
     </p:extLst>
   </p:cSld>
@@ -6767,7 +6767,7 @@
     </p:spTree>
     <p:extLst>
       <p:ext uri="{BB962C8B-B14F-4D97-AF65-F5344CB8AC3E}">
-        <p14:creationId xmlns="" xmlns:p14="http://schemas.microsoft.com/office/powerpoint/2010/main" val="4151760911"/>
+        <p14:creationId xmlns:p14="http://schemas.microsoft.com/office/powerpoint/2010/main" xmlns="" val="4151760911"/>
       </p:ext>
     </p:extLst>
   </p:cSld>
@@ -6937,7 +6937,7 @@
     </p:spTree>
     <p:extLst>
       <p:ext uri="{BB962C8B-B14F-4D97-AF65-F5344CB8AC3E}">
-        <p14:creationId xmlns="" xmlns:p14="http://schemas.microsoft.com/office/powerpoint/2010/main" val="2364447659"/>
+        <p14:creationId xmlns:p14="http://schemas.microsoft.com/office/powerpoint/2010/main" xmlns="" val="2364447659"/>
       </p:ext>
     </p:extLst>
   </p:cSld>
@@ -7196,7 +7196,7 @@
     </p:spTree>
     <p:extLst>
       <p:ext uri="{BB962C8B-B14F-4D97-AF65-F5344CB8AC3E}">
-        <p14:creationId xmlns="" xmlns:p14="http://schemas.microsoft.com/office/powerpoint/2010/main" val="3077061232"/>
+        <p14:creationId xmlns:p14="http://schemas.microsoft.com/office/powerpoint/2010/main" xmlns="" val="3077061232"/>
       </p:ext>
     </p:extLst>
   </p:cSld>
@@ -7613,7 +7613,7 @@
     </p:spTree>
     <p:extLst>
       <p:ext uri="{BB962C8B-B14F-4D97-AF65-F5344CB8AC3E}">
-        <p14:creationId xmlns="" xmlns:p14="http://schemas.microsoft.com/office/powerpoint/2010/main" val="3043294910"/>
+        <p14:creationId xmlns:p14="http://schemas.microsoft.com/office/powerpoint/2010/main" xmlns="" val="3043294910"/>
       </p:ext>
     </p:extLst>
   </p:cSld>
@@ -7825,7 +7825,7 @@
     </p:spTree>
     <p:extLst>
       <p:ext uri="{BB962C8B-B14F-4D97-AF65-F5344CB8AC3E}">
-        <p14:creationId xmlns="" xmlns:p14="http://schemas.microsoft.com/office/powerpoint/2010/main" val="4099853172"/>
+        <p14:creationId xmlns:p14="http://schemas.microsoft.com/office/powerpoint/2010/main" xmlns="" val="4099853172"/>
       </p:ext>
     </p:extLst>
   </p:cSld>
@@ -8002,7 +8002,7 @@
     </p:spTree>
     <p:extLst>
       <p:ext uri="{BB962C8B-B14F-4D97-AF65-F5344CB8AC3E}">
-        <p14:creationId xmlns="" xmlns:p14="http://schemas.microsoft.com/office/powerpoint/2010/main" val="3933760760"/>
+        <p14:creationId xmlns:p14="http://schemas.microsoft.com/office/powerpoint/2010/main" xmlns="" val="3933760760"/>
       </p:ext>
     </p:extLst>
   </p:cSld>
@@ -8097,7 +8097,7 @@
     </p:spTree>
     <p:extLst>
       <p:ext uri="{BB962C8B-B14F-4D97-AF65-F5344CB8AC3E}">
-        <p14:creationId xmlns="" xmlns:p14="http://schemas.microsoft.com/office/powerpoint/2010/main" val="3934857325"/>
+        <p14:creationId xmlns:p14="http://schemas.microsoft.com/office/powerpoint/2010/main" xmlns="" val="3934857325"/>
       </p:ext>
     </p:extLst>
   </p:cSld>
@@ -8301,7 +8301,7 @@
     </p:spTree>
     <p:extLst>
       <p:ext uri="{BB962C8B-B14F-4D97-AF65-F5344CB8AC3E}">
-        <p14:creationId xmlns="" xmlns:p14="http://schemas.microsoft.com/office/powerpoint/2010/main" val="2326976118"/>
+        <p14:creationId xmlns:p14="http://schemas.microsoft.com/office/powerpoint/2010/main" xmlns="" val="2326976118"/>
       </p:ext>
     </p:extLst>
   </p:cSld>
@@ -8482,7 +8482,7 @@
     </p:spTree>
     <p:extLst>
       <p:ext uri="{BB962C8B-B14F-4D97-AF65-F5344CB8AC3E}">
-        <p14:creationId xmlns="" xmlns:p14="http://schemas.microsoft.com/office/powerpoint/2010/main" val="3127275223"/>
+        <p14:creationId xmlns:p14="http://schemas.microsoft.com/office/powerpoint/2010/main" xmlns="" val="3127275223"/>
       </p:ext>
     </p:extLst>
   </p:cSld>
@@ -8749,7 +8749,7 @@
     </p:spTree>
     <p:extLst>
       <p:ext uri="{BB962C8B-B14F-4D97-AF65-F5344CB8AC3E}">
-        <p14:creationId xmlns="" xmlns:p14="http://schemas.microsoft.com/office/powerpoint/2010/main" val="969390385"/>
+        <p14:creationId xmlns:p14="http://schemas.microsoft.com/office/powerpoint/2010/main" xmlns="" val="969390385"/>
       </p:ext>
     </p:extLst>
   </p:cSld>
@@ -9317,7 +9317,7 @@
     </p:spTree>
     <p:extLst>
       <p:ext uri="{BB962C8B-B14F-4D97-AF65-F5344CB8AC3E}">
-        <p14:creationId xmlns="" xmlns:p14="http://schemas.microsoft.com/office/powerpoint/2010/main" val="829456867"/>
+        <p14:creationId xmlns:p14="http://schemas.microsoft.com/office/powerpoint/2010/main" xmlns="" val="829456867"/>
       </p:ext>
     </p:extLst>
   </p:cSld>
@@ -9431,7 +9431,7 @@
     </p:spTree>
     <p:extLst>
       <p:ext uri="{BB962C8B-B14F-4D97-AF65-F5344CB8AC3E}">
-        <p14:creationId xmlns="" xmlns:p14="http://schemas.microsoft.com/office/powerpoint/2010/main" val="2247785509"/>
+        <p14:creationId xmlns:p14="http://schemas.microsoft.com/office/powerpoint/2010/main" xmlns="" val="2247785509"/>
       </p:ext>
     </p:extLst>
   </p:cSld>
@@ -9562,7 +9562,7 @@
     </p:spTree>
     <p:extLst>
       <p:ext uri="{BB962C8B-B14F-4D97-AF65-F5344CB8AC3E}">
-        <p14:creationId xmlns="" xmlns:p14="http://schemas.microsoft.com/office/powerpoint/2010/main" val="1635710898"/>
+        <p14:creationId xmlns:p14="http://schemas.microsoft.com/office/powerpoint/2010/main" xmlns="" val="1635710898"/>
       </p:ext>
     </p:extLst>
   </p:cSld>
@@ -9947,7 +9947,7 @@
     </p:spTree>
     <p:extLst>
       <p:ext uri="{BB962C8B-B14F-4D97-AF65-F5344CB8AC3E}">
-        <p14:creationId xmlns="" xmlns:p14="http://schemas.microsoft.com/office/powerpoint/2010/main" val="80666598"/>
+        <p14:creationId xmlns:p14="http://schemas.microsoft.com/office/powerpoint/2010/main" xmlns="" val="80666598"/>
       </p:ext>
     </p:extLst>
   </p:cSld>
@@ -10309,7 +10309,7 @@
     </p:spTree>
     <p:extLst>
       <p:ext uri="{BB962C8B-B14F-4D97-AF65-F5344CB8AC3E}">
-        <p14:creationId xmlns="" xmlns:p14="http://schemas.microsoft.com/office/powerpoint/2010/main" val="1896283254"/>
+        <p14:creationId xmlns:p14="http://schemas.microsoft.com/office/powerpoint/2010/main" xmlns="" val="1896283254"/>
       </p:ext>
     </p:extLst>
   </p:cSld>
@@ -10367,7 +10367,7 @@
     </p:spTree>
     <p:extLst>
       <p:ext uri="{BB962C8B-B14F-4D97-AF65-F5344CB8AC3E}">
-        <p14:creationId xmlns="" xmlns:p14="http://schemas.microsoft.com/office/powerpoint/2010/main" val="2194965127"/>
+        <p14:creationId xmlns:p14="http://schemas.microsoft.com/office/powerpoint/2010/main" xmlns="" val="2194965127"/>
       </p:ext>
     </p:extLst>
   </p:cSld>
@@ -10397,7 +10397,7 @@
     </p:spTree>
     <p:extLst>
       <p:ext uri="{BB962C8B-B14F-4D97-AF65-F5344CB8AC3E}">
-        <p14:creationId xmlns="" xmlns:p14="http://schemas.microsoft.com/office/powerpoint/2010/main" val="1501754717"/>
+        <p14:creationId xmlns:p14="http://schemas.microsoft.com/office/powerpoint/2010/main" xmlns="" val="1501754717"/>
       </p:ext>
     </p:extLst>
   </p:cSld>
@@ -10609,7 +10609,7 @@
     </p:spTree>
     <p:extLst>
       <p:ext uri="{BB962C8B-B14F-4D97-AF65-F5344CB8AC3E}">
-        <p14:creationId xmlns="" xmlns:p14="http://schemas.microsoft.com/office/powerpoint/2010/main" val="1296463487"/>
+        <p14:creationId xmlns:p14="http://schemas.microsoft.com/office/powerpoint/2010/main" xmlns="" val="1296463487"/>
       </p:ext>
     </p:extLst>
   </p:cSld>
@@ -10671,7 +10671,7 @@
     </p:spTree>
     <p:extLst>
       <p:ext uri="{BB962C8B-B14F-4D97-AF65-F5344CB8AC3E}">
-        <p14:creationId xmlns="" xmlns:p14="http://schemas.microsoft.com/office/powerpoint/2010/main" val="2219190581"/>
+        <p14:creationId xmlns:p14="http://schemas.microsoft.com/office/powerpoint/2010/main" xmlns="" val="2219190581"/>
       </p:ext>
     </p:extLst>
   </p:cSld>
@@ -10792,7 +10792,7 @@
     </p:spTree>
     <p:extLst>
       <p:ext uri="{BB962C8B-B14F-4D97-AF65-F5344CB8AC3E}">
-        <p14:creationId xmlns="" xmlns:p14="http://schemas.microsoft.com/office/powerpoint/2010/main" val="2279420037"/>
+        <p14:creationId xmlns:p14="http://schemas.microsoft.com/office/powerpoint/2010/main" xmlns="" val="2279420037"/>
       </p:ext>
     </p:extLst>
   </p:cSld>
@@ -10974,7 +10974,7 @@
     </p:spTree>
     <p:extLst>
       <p:ext uri="{BB962C8B-B14F-4D97-AF65-F5344CB8AC3E}">
-        <p14:creationId xmlns="" xmlns:p14="http://schemas.microsoft.com/office/powerpoint/2010/main" val="1221855451"/>
+        <p14:creationId xmlns:p14="http://schemas.microsoft.com/office/powerpoint/2010/main" xmlns="" val="1221855451"/>
       </p:ext>
     </p:extLst>
   </p:cSld>
@@ -13579,7 +13579,7 @@
     </p:spTree>
     <p:extLst>
       <p:ext uri="{BB962C8B-B14F-4D97-AF65-F5344CB8AC3E}">
-        <p14:creationId xmlns="" xmlns:p14="http://schemas.microsoft.com/office/powerpoint/2010/main" val="1981129605"/>
+        <p14:creationId xmlns:p14="http://schemas.microsoft.com/office/powerpoint/2010/main" xmlns="" val="1981129605"/>
       </p:ext>
     </p:extLst>
   </p:cSld>
@@ -14445,7 +14445,7 @@
     </p:spTree>
     <p:extLst>
       <p:ext uri="{BB962C8B-B14F-4D97-AF65-F5344CB8AC3E}">
-        <p14:creationId xmlns="" xmlns:p14="http://schemas.microsoft.com/office/powerpoint/2010/main" val="800058667"/>
+        <p14:creationId xmlns:p14="http://schemas.microsoft.com/office/powerpoint/2010/main" xmlns="" val="800058667"/>
       </p:ext>
     </p:extLst>
   </p:cSld>
@@ -15375,7 +15375,7 @@
     </p:spTree>
     <p:extLst>
       <p:ext uri="{BB962C8B-B14F-4D97-AF65-F5344CB8AC3E}">
-        <p14:creationId xmlns="" xmlns:p14="http://schemas.microsoft.com/office/powerpoint/2010/main" val="3790656987"/>
+        <p14:creationId xmlns:p14="http://schemas.microsoft.com/office/powerpoint/2010/main" xmlns="" val="3790656987"/>
       </p:ext>
     </p:extLst>
   </p:cSld>
@@ -16258,7 +16258,7 @@
     </p:spTree>
     <p:extLst>
       <p:ext uri="{BB962C8B-B14F-4D97-AF65-F5344CB8AC3E}">
-        <p14:creationId xmlns="" xmlns:p14="http://schemas.microsoft.com/office/powerpoint/2010/main" val="2520891720"/>
+        <p14:creationId xmlns:p14="http://schemas.microsoft.com/office/powerpoint/2010/main" xmlns="" val="2520891720"/>
       </p:ext>
     </p:extLst>
   </p:cSld>
@@ -17062,7 +17062,7 @@
     </p:spTree>
     <p:extLst>
       <p:ext uri="{BB962C8B-B14F-4D97-AF65-F5344CB8AC3E}">
-        <p14:creationId xmlns="" xmlns:p14="http://schemas.microsoft.com/office/powerpoint/2010/main" val="2940265769"/>
+        <p14:creationId xmlns:p14="http://schemas.microsoft.com/office/powerpoint/2010/main" xmlns="" val="2940265769"/>
       </p:ext>
     </p:extLst>
   </p:cSld>
@@ -17573,7 +17573,7 @@
     </p:spTree>
     <p:extLst>
       <p:ext uri="{BB962C8B-B14F-4D97-AF65-F5344CB8AC3E}">
-        <p14:creationId xmlns="" xmlns:p14="http://schemas.microsoft.com/office/powerpoint/2010/main" val="711254567"/>
+        <p14:creationId xmlns:p14="http://schemas.microsoft.com/office/powerpoint/2010/main" xmlns="" val="711254567"/>
       </p:ext>
     </p:extLst>
   </p:cSld>
@@ -18181,7 +18181,7 @@
       </p:sp>
       <p:pic>
         <p:nvPicPr>
-          <p:cNvPr id="1027" name="Picture 3"/>
+          <p:cNvPr id="1026" name="Picture 2"/>
           <p:cNvPicPr>
             <a:picLocks noChangeAspect="1" noChangeArrowheads="1"/>
           </p:cNvPicPr>
